--- a/3. Swagger/Day 11/Slides/4. OpenAPI 2.0 vs. OpenAPI 3.0/openapi-20-vs-openapi-30-slides.pptx
+++ b/3. Swagger/Day 11/Slides/4. OpenAPI 2.0 vs. OpenAPI 3.0/openapi-20-vs-openapi-30-slides.pptx
@@ -2781,6 +2781,10 @@
           </p:nvPr>
         </p:nvSpPr>
         <p:spPr>
+          <a:xfrm>
+            <a:off x="757556" y="3093211"/>
+            <a:ext cx="10676887" cy="3278505"/>
+          </a:xfrm>
           <a:prstGeom prst="rect">
             <a:avLst/>
           </a:prstGeom>
@@ -2874,7 +2878,15 @@
             </a:r>
             <a:r>
               <a:rPr spc="5" dirty="0"/>
-              <a:t>filed</a:t>
+              <a:t>fi</a:t>
+            </a:r>
+            <a:r>
+              <a:rPr lang="en-US" spc="5" dirty="0"/>
+              <a:t>el</a:t>
+            </a:r>
+            <a:r>
+              <a:rPr spc="5" dirty="0"/>
+              <a:t>d</a:t>
             </a:r>
             <a:r>
               <a:rPr spc="-135" dirty="0"/>
